--- a/figures/project_overview.pptx
+++ b/figures/project_overview.pptx
@@ -6,6 +6,7 @@
   </p:sldMasterIdLst>
   <p:sldIdLst>
     <p:sldId id="256" r:id="rId2"/>
+    <p:sldId id="257" r:id="rId3"/>
   </p:sldIdLst>
   <p:sldSz cx="12192000" cy="6858000"/>
   <p:notesSz cx="6858000" cy="9144000"/>
@@ -104,7 +105,272 @@
       </a:defRPr>
     </a:lvl9pPr>
   </p:defaultTextStyle>
+  <p:extLst>
+    <p:ext uri="{EFAFB233-063F-42B5-8137-9DF3F51BA10A}">
+      <p15:sldGuideLst xmlns:p15="http://schemas.microsoft.com/office/powerpoint/2012/main"/>
+    </p:ext>
+  </p:extLst>
 </p:presentation>
+</file>
+
+<file path=ppt/revisionInfo.xml><?xml version="1.0" encoding="utf-8"?>
+<p1510:revInfo xmlns:a="http://schemas.openxmlformats.org/drawingml/2006/main" xmlns:r="http://schemas.openxmlformats.org/officeDocument/2006/relationships" xmlns:p1510="http://schemas.microsoft.com/office/powerpoint/2015/10/main">
+  <p1510:revLst>
+    <p1510:client id="{8ED47C23-C5E2-43FC-91AB-FB4AA3AC2BD1}" v="47" dt="2020-07-25T14:40:24.802"/>
+  </p1510:revLst>
+</p1510:revInfo>
+</file>
+
+<file path=ppt/changesInfos/changesInfo1.xml><?xml version="1.0" encoding="utf-8"?>
+<pc:chgInfo xmlns:a="http://schemas.openxmlformats.org/drawingml/2006/main" xmlns:r="http://schemas.openxmlformats.org/officeDocument/2006/relationships" xmlns:ac="http://schemas.microsoft.com/office/drawing/2013/main/command" xmlns:pc="http://schemas.microsoft.com/office/powerpoint/2013/main/command">
+  <pc:docChgLst>
+    <pc:chgData name="Dominick Lemas" userId="5a87caf6b30614cd" providerId="LiveId" clId="{8ED47C23-C5E2-43FC-91AB-FB4AA3AC2BD1}"/>
+    <pc:docChg chg="undo custSel addSld modSld">
+      <pc:chgData name="Dominick Lemas" userId="5a87caf6b30614cd" providerId="LiveId" clId="{8ED47C23-C5E2-43FC-91AB-FB4AA3AC2BD1}" dt="2020-07-25T14:40:47.883" v="233" actId="1076"/>
+      <pc:docMkLst>
+        <pc:docMk/>
+      </pc:docMkLst>
+      <pc:sldChg chg="addSp delSp modSp mod">
+        <pc:chgData name="Dominick Lemas" userId="5a87caf6b30614cd" providerId="LiveId" clId="{8ED47C23-C5E2-43FC-91AB-FB4AA3AC2BD1}" dt="2020-07-25T14:40:47.883" v="233" actId="1076"/>
+        <pc:sldMkLst>
+          <pc:docMk/>
+          <pc:sldMk cId="821542727" sldId="256"/>
+        </pc:sldMkLst>
+        <pc:spChg chg="add mod">
+          <ac:chgData name="Dominick Lemas" userId="5a87caf6b30614cd" providerId="LiveId" clId="{8ED47C23-C5E2-43FC-91AB-FB4AA3AC2BD1}" dt="2020-07-25T14:31:30.477" v="166" actId="122"/>
+          <ac:spMkLst>
+            <pc:docMk/>
+            <pc:sldMk cId="821542727" sldId="256"/>
+            <ac:spMk id="3" creationId="{06050F34-A8A1-40D6-AA7A-C5C5C237F4C8}"/>
+          </ac:spMkLst>
+        </pc:spChg>
+        <pc:spChg chg="mod">
+          <ac:chgData name="Dominick Lemas" userId="5a87caf6b30614cd" providerId="LiveId" clId="{8ED47C23-C5E2-43FC-91AB-FB4AA3AC2BD1}" dt="2020-07-25T14:29:57.763" v="111" actId="1076"/>
+          <ac:spMkLst>
+            <pc:docMk/>
+            <pc:sldMk cId="821542727" sldId="256"/>
+            <ac:spMk id="4" creationId="{00000000-0000-0000-0000-000000000000}"/>
+          </ac:spMkLst>
+        </pc:spChg>
+        <pc:spChg chg="mod">
+          <ac:chgData name="Dominick Lemas" userId="5a87caf6b30614cd" providerId="LiveId" clId="{8ED47C23-C5E2-43FC-91AB-FB4AA3AC2BD1}" dt="2020-07-25T14:33:40.450" v="169" actId="1076"/>
+          <ac:spMkLst>
+            <pc:docMk/>
+            <pc:sldMk cId="821542727" sldId="256"/>
+            <ac:spMk id="5" creationId="{00000000-0000-0000-0000-000000000000}"/>
+          </ac:spMkLst>
+        </pc:spChg>
+        <pc:spChg chg="mod">
+          <ac:chgData name="Dominick Lemas" userId="5a87caf6b30614cd" providerId="LiveId" clId="{8ED47C23-C5E2-43FC-91AB-FB4AA3AC2BD1}" dt="2020-07-25T14:40:44.244" v="231" actId="1076"/>
+          <ac:spMkLst>
+            <pc:docMk/>
+            <pc:sldMk cId="821542727" sldId="256"/>
+            <ac:spMk id="6" creationId="{00000000-0000-0000-0000-000000000000}"/>
+          </ac:spMkLst>
+        </pc:spChg>
+        <pc:spChg chg="mod">
+          <ac:chgData name="Dominick Lemas" userId="5a87caf6b30614cd" providerId="LiveId" clId="{8ED47C23-C5E2-43FC-91AB-FB4AA3AC2BD1}" dt="2020-07-25T14:30:25.122" v="115" actId="14100"/>
+          <ac:spMkLst>
+            <pc:docMk/>
+            <pc:sldMk cId="821542727" sldId="256"/>
+            <ac:spMk id="7" creationId="{00000000-0000-0000-0000-000000000000}"/>
+          </ac:spMkLst>
+        </pc:spChg>
+        <pc:spChg chg="mod">
+          <ac:chgData name="Dominick Lemas" userId="5a87caf6b30614cd" providerId="LiveId" clId="{8ED47C23-C5E2-43FC-91AB-FB4AA3AC2BD1}" dt="2020-07-25T14:30:28.162" v="116" actId="1076"/>
+          <ac:spMkLst>
+            <pc:docMk/>
+            <pc:sldMk cId="821542727" sldId="256"/>
+            <ac:spMk id="8" creationId="{00000000-0000-0000-0000-000000000000}"/>
+          </ac:spMkLst>
+        </pc:spChg>
+        <pc:spChg chg="del">
+          <ac:chgData name="Dominick Lemas" userId="5a87caf6b30614cd" providerId="LiveId" clId="{8ED47C23-C5E2-43FC-91AB-FB4AA3AC2BD1}" dt="2020-07-25T14:30:37.410" v="120" actId="478"/>
+          <ac:spMkLst>
+            <pc:docMk/>
+            <pc:sldMk cId="821542727" sldId="256"/>
+            <ac:spMk id="9" creationId="{00000000-0000-0000-0000-000000000000}"/>
+          </ac:spMkLst>
+        </pc:spChg>
+        <pc:spChg chg="del mod">
+          <ac:chgData name="Dominick Lemas" userId="5a87caf6b30614cd" providerId="LiveId" clId="{8ED47C23-C5E2-43FC-91AB-FB4AA3AC2BD1}" dt="2020-07-25T14:30:34.866" v="119" actId="478"/>
+          <ac:spMkLst>
+            <pc:docMk/>
+            <pc:sldMk cId="821542727" sldId="256"/>
+            <ac:spMk id="10" creationId="{00000000-0000-0000-0000-000000000000}"/>
+          </ac:spMkLst>
+        </pc:spChg>
+        <pc:spChg chg="mod">
+          <ac:chgData name="Dominick Lemas" userId="5a87caf6b30614cd" providerId="LiveId" clId="{8ED47C23-C5E2-43FC-91AB-FB4AA3AC2BD1}" dt="2020-07-25T14:30:45.483" v="123" actId="1076"/>
+          <ac:spMkLst>
+            <pc:docMk/>
+            <pc:sldMk cId="821542727" sldId="256"/>
+            <ac:spMk id="17" creationId="{00000000-0000-0000-0000-000000000000}"/>
+          </ac:spMkLst>
+        </pc:spChg>
+        <pc:spChg chg="add del">
+          <ac:chgData name="Dominick Lemas" userId="5a87caf6b30614cd" providerId="LiveId" clId="{8ED47C23-C5E2-43FC-91AB-FB4AA3AC2BD1}" dt="2020-07-25T14:39:10.643" v="212" actId="478"/>
+          <ac:spMkLst>
+            <pc:docMk/>
+            <pc:sldMk cId="821542727" sldId="256"/>
+            <ac:spMk id="25" creationId="{10E282D3-F016-4469-9105-D29CA51715D7}"/>
+          </ac:spMkLst>
+        </pc:spChg>
+        <pc:picChg chg="add del mod">
+          <ac:chgData name="Dominick Lemas" userId="5a87caf6b30614cd" providerId="LiveId" clId="{8ED47C23-C5E2-43FC-91AB-FB4AA3AC2BD1}" dt="2020-07-25T14:34:58.914" v="189" actId="478"/>
+          <ac:picMkLst>
+            <pc:docMk/>
+            <pc:sldMk cId="821542727" sldId="256"/>
+            <ac:picMk id="13" creationId="{8C7CC2C7-BCA3-45D9-BB92-ED0CFEEE42C3}"/>
+          </ac:picMkLst>
+        </pc:picChg>
+        <pc:picChg chg="add mod">
+          <ac:chgData name="Dominick Lemas" userId="5a87caf6b30614cd" providerId="LiveId" clId="{8ED47C23-C5E2-43FC-91AB-FB4AA3AC2BD1}" dt="2020-07-25T14:40:45.859" v="232" actId="1076"/>
+          <ac:picMkLst>
+            <pc:docMk/>
+            <pc:sldMk cId="821542727" sldId="256"/>
+            <ac:picMk id="18" creationId="{B1CC408F-18BC-4AF0-9C33-3B787FE32E47}"/>
+          </ac:picMkLst>
+        </pc:picChg>
+        <pc:picChg chg="add del mod">
+          <ac:chgData name="Dominick Lemas" userId="5a87caf6b30614cd" providerId="LiveId" clId="{8ED47C23-C5E2-43FC-91AB-FB4AA3AC2BD1}" dt="2020-07-25T14:36:07.970" v="200" actId="478"/>
+          <ac:picMkLst>
+            <pc:docMk/>
+            <pc:sldMk cId="821542727" sldId="256"/>
+            <ac:picMk id="20" creationId="{8A11C598-C278-4F6F-88BB-FB82C0E3B370}"/>
+          </ac:picMkLst>
+        </pc:picChg>
+        <pc:picChg chg="add del mod">
+          <ac:chgData name="Dominick Lemas" userId="5a87caf6b30614cd" providerId="LiveId" clId="{8ED47C23-C5E2-43FC-91AB-FB4AA3AC2BD1}" dt="2020-07-25T14:37:34.979" v="201" actId="478"/>
+          <ac:picMkLst>
+            <pc:docMk/>
+            <pc:sldMk cId="821542727" sldId="256"/>
+            <ac:picMk id="22" creationId="{A3726A89-7035-43AB-A409-8FC0C0883DF3}"/>
+          </ac:picMkLst>
+        </pc:picChg>
+        <pc:picChg chg="add del mod">
+          <ac:chgData name="Dominick Lemas" userId="5a87caf6b30614cd" providerId="LiveId" clId="{8ED47C23-C5E2-43FC-91AB-FB4AA3AC2BD1}" dt="2020-07-25T14:38:55.875" v="210" actId="478"/>
+          <ac:picMkLst>
+            <pc:docMk/>
+            <pc:sldMk cId="821542727" sldId="256"/>
+            <ac:picMk id="24" creationId="{26512DEF-E5CE-4A42-AA66-C2839503C64F}"/>
+          </ac:picMkLst>
+        </pc:picChg>
+        <pc:picChg chg="add del mod">
+          <ac:chgData name="Dominick Lemas" userId="5a87caf6b30614cd" providerId="LiveId" clId="{8ED47C23-C5E2-43FC-91AB-FB4AA3AC2BD1}" dt="2020-07-25T14:40:47.883" v="233" actId="1076"/>
+          <ac:picMkLst>
+            <pc:docMk/>
+            <pc:sldMk cId="821542727" sldId="256"/>
+            <ac:picMk id="27" creationId="{B7D2BC12-FAE3-4A2F-90C1-FD0FCB83C48E}"/>
+          </ac:picMkLst>
+        </pc:picChg>
+        <pc:picChg chg="add del mod">
+          <ac:chgData name="Dominick Lemas" userId="5a87caf6b30614cd" providerId="LiveId" clId="{8ED47C23-C5E2-43FC-91AB-FB4AA3AC2BD1}" dt="2020-07-25T14:39:53.266" v="218" actId="478"/>
+          <ac:picMkLst>
+            <pc:docMk/>
+            <pc:sldMk cId="821542727" sldId="256"/>
+            <ac:picMk id="29" creationId="{13D92076-F062-4AF0-AB41-6B7DC96EADA1}"/>
+          </ac:picMkLst>
+        </pc:picChg>
+        <pc:picChg chg="add del mod">
+          <ac:chgData name="Dominick Lemas" userId="5a87caf6b30614cd" providerId="LiveId" clId="{8ED47C23-C5E2-43FC-91AB-FB4AA3AC2BD1}" dt="2020-07-25T14:37:58.897" v="205" actId="478"/>
+          <ac:picMkLst>
+            <pc:docMk/>
+            <pc:sldMk cId="821542727" sldId="256"/>
+            <ac:picMk id="2050" creationId="{0FF6CAEB-8D1D-4520-BA9C-D0041FC4E4C3}"/>
+          </ac:picMkLst>
+        </pc:picChg>
+        <pc:picChg chg="add del mod">
+          <ac:chgData name="Dominick Lemas" userId="5a87caf6b30614cd" providerId="LiveId" clId="{8ED47C23-C5E2-43FC-91AB-FB4AA3AC2BD1}" dt="2020-07-25T14:40:24.802" v="226" actId="478"/>
+          <ac:picMkLst>
+            <pc:docMk/>
+            <pc:sldMk cId="821542727" sldId="256"/>
+            <ac:picMk id="2052" creationId="{7BFD4A74-014E-44F4-877C-A53BF695CC2B}"/>
+          </ac:picMkLst>
+        </pc:picChg>
+        <pc:cxnChg chg="mod">
+          <ac:chgData name="Dominick Lemas" userId="5a87caf6b30614cd" providerId="LiveId" clId="{8ED47C23-C5E2-43FC-91AB-FB4AA3AC2BD1}" dt="2020-07-25T14:31:36.635" v="167" actId="1076"/>
+          <ac:cxnSpMkLst>
+            <pc:docMk/>
+            <pc:sldMk cId="821542727" sldId="256"/>
+            <ac:cxnSpMk id="12" creationId="{00000000-0000-0000-0000-000000000000}"/>
+          </ac:cxnSpMkLst>
+        </pc:cxnChg>
+        <pc:cxnChg chg="mod">
+          <ac:chgData name="Dominick Lemas" userId="5a87caf6b30614cd" providerId="LiveId" clId="{8ED47C23-C5E2-43FC-91AB-FB4AA3AC2BD1}" dt="2020-07-25T14:31:39.754" v="168" actId="1076"/>
+          <ac:cxnSpMkLst>
+            <pc:docMk/>
+            <pc:sldMk cId="821542727" sldId="256"/>
+            <ac:cxnSpMk id="14" creationId="{00000000-0000-0000-0000-000000000000}"/>
+          </ac:cxnSpMkLst>
+        </pc:cxnChg>
+      </pc:sldChg>
+      <pc:sldChg chg="addSp delSp modSp new mod">
+        <pc:chgData name="Dominick Lemas" userId="5a87caf6b30614cd" providerId="LiveId" clId="{8ED47C23-C5E2-43FC-91AB-FB4AA3AC2BD1}" dt="2020-07-25T14:28:11.145" v="74" actId="1076"/>
+        <pc:sldMkLst>
+          <pc:docMk/>
+          <pc:sldMk cId="3892135696" sldId="257"/>
+        </pc:sldMkLst>
+        <pc:spChg chg="mod">
+          <ac:chgData name="Dominick Lemas" userId="5a87caf6b30614cd" providerId="LiveId" clId="{8ED47C23-C5E2-43FC-91AB-FB4AA3AC2BD1}" dt="2020-07-25T14:16:54.147" v="29" actId="1076"/>
+          <ac:spMkLst>
+            <pc:docMk/>
+            <pc:sldMk cId="3892135696" sldId="257"/>
+            <ac:spMk id="2" creationId="{C27A5051-CD84-4F22-A4EA-040A072A097F}"/>
+          </ac:spMkLst>
+        </pc:spChg>
+        <pc:spChg chg="del">
+          <ac:chgData name="Dominick Lemas" userId="5a87caf6b30614cd" providerId="LiveId" clId="{8ED47C23-C5E2-43FC-91AB-FB4AA3AC2BD1}" dt="2020-07-25T14:16:41.369" v="16" actId="478"/>
+          <ac:spMkLst>
+            <pc:docMk/>
+            <pc:sldMk cId="3892135696" sldId="257"/>
+            <ac:spMk id="3" creationId="{58A015BE-0A3C-4A00-B73E-452271702931}"/>
+          </ac:spMkLst>
+        </pc:spChg>
+        <pc:picChg chg="add del mod modCrop">
+          <ac:chgData name="Dominick Lemas" userId="5a87caf6b30614cd" providerId="LiveId" clId="{8ED47C23-C5E2-43FC-91AB-FB4AA3AC2BD1}" dt="2020-07-25T14:27:37.346" v="67" actId="478"/>
+          <ac:picMkLst>
+            <pc:docMk/>
+            <pc:sldMk cId="3892135696" sldId="257"/>
+            <ac:picMk id="5" creationId="{DEBF79F5-8504-4E6A-AAB9-FA9C81240953}"/>
+          </ac:picMkLst>
+        </pc:picChg>
+        <pc:picChg chg="add mod modCrop">
+          <ac:chgData name="Dominick Lemas" userId="5a87caf6b30614cd" providerId="LiveId" clId="{8ED47C23-C5E2-43FC-91AB-FB4AA3AC2BD1}" dt="2020-07-25T14:28:11.145" v="74" actId="1076"/>
+          <ac:picMkLst>
+            <pc:docMk/>
+            <pc:sldMk cId="3892135696" sldId="257"/>
+            <ac:picMk id="7" creationId="{A03A0974-88F8-4547-88E1-6E5C697D5289}"/>
+          </ac:picMkLst>
+        </pc:picChg>
+        <pc:picChg chg="add mod">
+          <ac:chgData name="Dominick Lemas" userId="5a87caf6b30614cd" providerId="LiveId" clId="{8ED47C23-C5E2-43FC-91AB-FB4AA3AC2BD1}" dt="2020-07-25T14:20:30.057" v="58" actId="1076"/>
+          <ac:picMkLst>
+            <pc:docMk/>
+            <pc:sldMk cId="3892135696" sldId="257"/>
+            <ac:picMk id="1026" creationId="{383D161B-06FD-4BD5-A214-4498BC36CE05}"/>
+          </ac:picMkLst>
+        </pc:picChg>
+        <pc:picChg chg="add mod">
+          <ac:chgData name="Dominick Lemas" userId="5a87caf6b30614cd" providerId="LiveId" clId="{8ED47C23-C5E2-43FC-91AB-FB4AA3AC2BD1}" dt="2020-07-25T14:25:03.377" v="61" actId="1076"/>
+          <ac:picMkLst>
+            <pc:docMk/>
+            <pc:sldMk cId="3892135696" sldId="257"/>
+            <ac:picMk id="1028" creationId="{E5BC324D-3121-45E1-94AC-C9303062FE4D}"/>
+          </ac:picMkLst>
+        </pc:picChg>
+        <pc:picChg chg="add mod">
+          <ac:chgData name="Dominick Lemas" userId="5a87caf6b30614cd" providerId="LiveId" clId="{8ED47C23-C5E2-43FC-91AB-FB4AA3AC2BD1}" dt="2020-07-25T14:20:25.696" v="56" actId="1076"/>
+          <ac:picMkLst>
+            <pc:docMk/>
+            <pc:sldMk cId="3892135696" sldId="257"/>
+            <ac:picMk id="1030" creationId="{66C798BC-7AB4-47F9-8686-1F4FE332AED4}"/>
+          </ac:picMkLst>
+        </pc:picChg>
+      </pc:sldChg>
+    </pc:docChg>
+  </pc:docChgLst>
+</pc:chgInfo>
 </file>
 
 <file path=ppt/slideLayouts/slideLayout1.xml><?xml version="1.0" encoding="utf-8"?>
@@ -149,10 +415,9 @@
           </a:lstStyle>
           <a:p>
             <a:r>
-              <a:rPr lang="en-US" smtClean="0"/>
+              <a:rPr lang="en-US"/>
               <a:t>Click to edit Master title style</a:t>
             </a:r>
-            <a:endParaRPr lang="en-US"/>
           </a:p>
         </p:txBody>
       </p:sp>
@@ -214,10 +479,9 @@
           </a:lstStyle>
           <a:p>
             <a:r>
-              <a:rPr lang="en-US" smtClean="0"/>
+              <a:rPr lang="en-US"/>
               <a:t>Click to edit Master subtitle style</a:t>
             </a:r>
-            <a:endParaRPr lang="en-US"/>
           </a:p>
         </p:txBody>
       </p:sp>
@@ -238,7 +502,7 @@
           <a:p>
             <a:fld id="{00C5EB10-A60C-49B1-88B5-8691CB73173A}" type="datetimeFigureOut">
               <a:rPr lang="en-US" smtClean="0"/>
-              <a:t>6/8/2020</a:t>
+              <a:t>7/25/2020</a:t>
             </a:fld>
             <a:endParaRPr lang="en-US"/>
           </a:p>
@@ -332,10 +596,9 @@
           <a:lstStyle/>
           <a:p>
             <a:r>
-              <a:rPr lang="en-US" smtClean="0"/>
+              <a:rPr lang="en-US"/>
               <a:t>Click to edit Master title style</a:t>
             </a:r>
-            <a:endParaRPr lang="en-US"/>
           </a:p>
         </p:txBody>
       </p:sp>
@@ -356,38 +619,37 @@
           <a:p>
             <a:pPr lvl="0"/>
             <a:r>
-              <a:rPr lang="en-US" smtClean="0"/>
+              <a:rPr lang="en-US"/>
               <a:t>Edit Master text styles</a:t>
             </a:r>
           </a:p>
           <a:p>
             <a:pPr lvl="1"/>
             <a:r>
-              <a:rPr lang="en-US" smtClean="0"/>
+              <a:rPr lang="en-US"/>
               <a:t>Second level</a:t>
             </a:r>
           </a:p>
           <a:p>
             <a:pPr lvl="2"/>
             <a:r>
-              <a:rPr lang="en-US" smtClean="0"/>
+              <a:rPr lang="en-US"/>
               <a:t>Third level</a:t>
             </a:r>
           </a:p>
           <a:p>
             <a:pPr lvl="3"/>
             <a:r>
-              <a:rPr lang="en-US" smtClean="0"/>
+              <a:rPr lang="en-US"/>
               <a:t>Fourth level</a:t>
             </a:r>
           </a:p>
           <a:p>
             <a:pPr lvl="4"/>
             <a:r>
-              <a:rPr lang="en-US" smtClean="0"/>
+              <a:rPr lang="en-US"/>
               <a:t>Fifth level</a:t>
             </a:r>
-            <a:endParaRPr lang="en-US"/>
           </a:p>
         </p:txBody>
       </p:sp>
@@ -408,7 +670,7 @@
           <a:p>
             <a:fld id="{00C5EB10-A60C-49B1-88B5-8691CB73173A}" type="datetimeFigureOut">
               <a:rPr lang="en-US" smtClean="0"/>
-              <a:t>6/8/2020</a:t>
+              <a:t>7/25/2020</a:t>
             </a:fld>
             <a:endParaRPr lang="en-US"/>
           </a:p>
@@ -507,10 +769,9 @@
           <a:lstStyle/>
           <a:p>
             <a:r>
-              <a:rPr lang="en-US" smtClean="0"/>
+              <a:rPr lang="en-US"/>
               <a:t>Click to edit Master title style</a:t>
             </a:r>
-            <a:endParaRPr lang="en-US"/>
           </a:p>
         </p:txBody>
       </p:sp>
@@ -536,38 +797,37 @@
           <a:p>
             <a:pPr lvl="0"/>
             <a:r>
-              <a:rPr lang="en-US" smtClean="0"/>
+              <a:rPr lang="en-US"/>
               <a:t>Edit Master text styles</a:t>
             </a:r>
           </a:p>
           <a:p>
             <a:pPr lvl="1"/>
             <a:r>
-              <a:rPr lang="en-US" smtClean="0"/>
+              <a:rPr lang="en-US"/>
               <a:t>Second level</a:t>
             </a:r>
           </a:p>
           <a:p>
             <a:pPr lvl="2"/>
             <a:r>
-              <a:rPr lang="en-US" smtClean="0"/>
+              <a:rPr lang="en-US"/>
               <a:t>Third level</a:t>
             </a:r>
           </a:p>
           <a:p>
             <a:pPr lvl="3"/>
             <a:r>
-              <a:rPr lang="en-US" smtClean="0"/>
+              <a:rPr lang="en-US"/>
               <a:t>Fourth level</a:t>
             </a:r>
           </a:p>
           <a:p>
             <a:pPr lvl="4"/>
             <a:r>
-              <a:rPr lang="en-US" smtClean="0"/>
+              <a:rPr lang="en-US"/>
               <a:t>Fifth level</a:t>
             </a:r>
-            <a:endParaRPr lang="en-US"/>
           </a:p>
         </p:txBody>
       </p:sp>
@@ -588,7 +848,7 @@
           <a:p>
             <a:fld id="{00C5EB10-A60C-49B1-88B5-8691CB73173A}" type="datetimeFigureOut">
               <a:rPr lang="en-US" smtClean="0"/>
-              <a:t>6/8/2020</a:t>
+              <a:t>7/25/2020</a:t>
             </a:fld>
             <a:endParaRPr lang="en-US"/>
           </a:p>
@@ -682,10 +942,9 @@
           <a:lstStyle/>
           <a:p>
             <a:r>
-              <a:rPr lang="en-US" smtClean="0"/>
+              <a:rPr lang="en-US"/>
               <a:t>Click to edit Master title style</a:t>
             </a:r>
-            <a:endParaRPr lang="en-US"/>
           </a:p>
         </p:txBody>
       </p:sp>
@@ -706,38 +965,37 @@
           <a:p>
             <a:pPr lvl="0"/>
             <a:r>
-              <a:rPr lang="en-US" smtClean="0"/>
+              <a:rPr lang="en-US"/>
               <a:t>Edit Master text styles</a:t>
             </a:r>
           </a:p>
           <a:p>
             <a:pPr lvl="1"/>
             <a:r>
-              <a:rPr lang="en-US" smtClean="0"/>
+              <a:rPr lang="en-US"/>
               <a:t>Second level</a:t>
             </a:r>
           </a:p>
           <a:p>
             <a:pPr lvl="2"/>
             <a:r>
-              <a:rPr lang="en-US" smtClean="0"/>
+              <a:rPr lang="en-US"/>
               <a:t>Third level</a:t>
             </a:r>
           </a:p>
           <a:p>
             <a:pPr lvl="3"/>
             <a:r>
-              <a:rPr lang="en-US" smtClean="0"/>
+              <a:rPr lang="en-US"/>
               <a:t>Fourth level</a:t>
             </a:r>
           </a:p>
           <a:p>
             <a:pPr lvl="4"/>
             <a:r>
-              <a:rPr lang="en-US" smtClean="0"/>
+              <a:rPr lang="en-US"/>
               <a:t>Fifth level</a:t>
             </a:r>
-            <a:endParaRPr lang="en-US"/>
           </a:p>
         </p:txBody>
       </p:sp>
@@ -758,7 +1016,7 @@
           <a:p>
             <a:fld id="{00C5EB10-A60C-49B1-88B5-8691CB73173A}" type="datetimeFigureOut">
               <a:rPr lang="en-US" smtClean="0"/>
-              <a:t>6/8/2020</a:t>
+              <a:t>7/25/2020</a:t>
             </a:fld>
             <a:endParaRPr lang="en-US"/>
           </a:p>
@@ -861,10 +1119,9 @@
           </a:lstStyle>
           <a:p>
             <a:r>
-              <a:rPr lang="en-US" smtClean="0"/>
+              <a:rPr lang="en-US"/>
               <a:t>Click to edit Master title style</a:t>
             </a:r>
-            <a:endParaRPr lang="en-US"/>
           </a:p>
         </p:txBody>
       </p:sp>
@@ -981,7 +1238,7 @@
           <a:p>
             <a:pPr lvl="0"/>
             <a:r>
-              <a:rPr lang="en-US" smtClean="0"/>
+              <a:rPr lang="en-US"/>
               <a:t>Edit Master text styles</a:t>
             </a:r>
           </a:p>
@@ -1004,7 +1261,7 @@
           <a:p>
             <a:fld id="{00C5EB10-A60C-49B1-88B5-8691CB73173A}" type="datetimeFigureOut">
               <a:rPr lang="en-US" smtClean="0"/>
-              <a:t>6/8/2020</a:t>
+              <a:t>7/25/2020</a:t>
             </a:fld>
             <a:endParaRPr lang="en-US"/>
           </a:p>
@@ -1098,10 +1355,9 @@
           <a:lstStyle/>
           <a:p>
             <a:r>
-              <a:rPr lang="en-US" smtClean="0"/>
+              <a:rPr lang="en-US"/>
               <a:t>Click to edit Master title style</a:t>
             </a:r>
-            <a:endParaRPr lang="en-US"/>
           </a:p>
         </p:txBody>
       </p:sp>
@@ -1127,38 +1383,37 @@
           <a:p>
             <a:pPr lvl="0"/>
             <a:r>
-              <a:rPr lang="en-US" smtClean="0"/>
+              <a:rPr lang="en-US"/>
               <a:t>Edit Master text styles</a:t>
             </a:r>
           </a:p>
           <a:p>
             <a:pPr lvl="1"/>
             <a:r>
-              <a:rPr lang="en-US" smtClean="0"/>
+              <a:rPr lang="en-US"/>
               <a:t>Second level</a:t>
             </a:r>
           </a:p>
           <a:p>
             <a:pPr lvl="2"/>
             <a:r>
-              <a:rPr lang="en-US" smtClean="0"/>
+              <a:rPr lang="en-US"/>
               <a:t>Third level</a:t>
             </a:r>
           </a:p>
           <a:p>
             <a:pPr lvl="3"/>
             <a:r>
-              <a:rPr lang="en-US" smtClean="0"/>
+              <a:rPr lang="en-US"/>
               <a:t>Fourth level</a:t>
             </a:r>
           </a:p>
           <a:p>
             <a:pPr lvl="4"/>
             <a:r>
-              <a:rPr lang="en-US" smtClean="0"/>
+              <a:rPr lang="en-US"/>
               <a:t>Fifth level</a:t>
             </a:r>
-            <a:endParaRPr lang="en-US"/>
           </a:p>
         </p:txBody>
       </p:sp>
@@ -1184,38 +1439,37 @@
           <a:p>
             <a:pPr lvl="0"/>
             <a:r>
-              <a:rPr lang="en-US" smtClean="0"/>
+              <a:rPr lang="en-US"/>
               <a:t>Edit Master text styles</a:t>
             </a:r>
           </a:p>
           <a:p>
             <a:pPr lvl="1"/>
             <a:r>
-              <a:rPr lang="en-US" smtClean="0"/>
+              <a:rPr lang="en-US"/>
               <a:t>Second level</a:t>
             </a:r>
           </a:p>
           <a:p>
             <a:pPr lvl="2"/>
             <a:r>
-              <a:rPr lang="en-US" smtClean="0"/>
+              <a:rPr lang="en-US"/>
               <a:t>Third level</a:t>
             </a:r>
           </a:p>
           <a:p>
             <a:pPr lvl="3"/>
             <a:r>
-              <a:rPr lang="en-US" smtClean="0"/>
+              <a:rPr lang="en-US"/>
               <a:t>Fourth level</a:t>
             </a:r>
           </a:p>
           <a:p>
             <a:pPr lvl="4"/>
             <a:r>
-              <a:rPr lang="en-US" smtClean="0"/>
+              <a:rPr lang="en-US"/>
               <a:t>Fifth level</a:t>
             </a:r>
-            <a:endParaRPr lang="en-US"/>
           </a:p>
         </p:txBody>
       </p:sp>
@@ -1236,7 +1490,7 @@
           <a:p>
             <a:fld id="{00C5EB10-A60C-49B1-88B5-8691CB73173A}" type="datetimeFigureOut">
               <a:rPr lang="en-US" smtClean="0"/>
-              <a:t>6/8/2020</a:t>
+              <a:t>7/25/2020</a:t>
             </a:fld>
             <a:endParaRPr lang="en-US"/>
           </a:p>
@@ -1335,10 +1589,9 @@
           <a:lstStyle/>
           <a:p>
             <a:r>
-              <a:rPr lang="en-US" smtClean="0"/>
+              <a:rPr lang="en-US"/>
               <a:t>Click to edit Master title style</a:t>
             </a:r>
-            <a:endParaRPr lang="en-US"/>
           </a:p>
         </p:txBody>
       </p:sp>
@@ -1401,7 +1654,7 @@
           <a:p>
             <a:pPr lvl="0"/>
             <a:r>
-              <a:rPr lang="en-US" smtClean="0"/>
+              <a:rPr lang="en-US"/>
               <a:t>Edit Master text styles</a:t>
             </a:r>
           </a:p>
@@ -1429,38 +1682,37 @@
           <a:p>
             <a:pPr lvl="0"/>
             <a:r>
-              <a:rPr lang="en-US" smtClean="0"/>
+              <a:rPr lang="en-US"/>
               <a:t>Edit Master text styles</a:t>
             </a:r>
           </a:p>
           <a:p>
             <a:pPr lvl="1"/>
             <a:r>
-              <a:rPr lang="en-US" smtClean="0"/>
+              <a:rPr lang="en-US"/>
               <a:t>Second level</a:t>
             </a:r>
           </a:p>
           <a:p>
             <a:pPr lvl="2"/>
             <a:r>
-              <a:rPr lang="en-US" smtClean="0"/>
+              <a:rPr lang="en-US"/>
               <a:t>Third level</a:t>
             </a:r>
           </a:p>
           <a:p>
             <a:pPr lvl="3"/>
             <a:r>
-              <a:rPr lang="en-US" smtClean="0"/>
+              <a:rPr lang="en-US"/>
               <a:t>Fourth level</a:t>
             </a:r>
           </a:p>
           <a:p>
             <a:pPr lvl="4"/>
             <a:r>
-              <a:rPr lang="en-US" smtClean="0"/>
+              <a:rPr lang="en-US"/>
               <a:t>Fifth level</a:t>
             </a:r>
-            <a:endParaRPr lang="en-US"/>
           </a:p>
         </p:txBody>
       </p:sp>
@@ -1523,7 +1775,7 @@
           <a:p>
             <a:pPr lvl="0"/>
             <a:r>
-              <a:rPr lang="en-US" smtClean="0"/>
+              <a:rPr lang="en-US"/>
               <a:t>Edit Master text styles</a:t>
             </a:r>
           </a:p>
@@ -1551,38 +1803,37 @@
           <a:p>
             <a:pPr lvl="0"/>
             <a:r>
-              <a:rPr lang="en-US" smtClean="0"/>
+              <a:rPr lang="en-US"/>
               <a:t>Edit Master text styles</a:t>
             </a:r>
           </a:p>
           <a:p>
             <a:pPr lvl="1"/>
             <a:r>
-              <a:rPr lang="en-US" smtClean="0"/>
+              <a:rPr lang="en-US"/>
               <a:t>Second level</a:t>
             </a:r>
           </a:p>
           <a:p>
             <a:pPr lvl="2"/>
             <a:r>
-              <a:rPr lang="en-US" smtClean="0"/>
+              <a:rPr lang="en-US"/>
               <a:t>Third level</a:t>
             </a:r>
           </a:p>
           <a:p>
             <a:pPr lvl="3"/>
             <a:r>
-              <a:rPr lang="en-US" smtClean="0"/>
+              <a:rPr lang="en-US"/>
               <a:t>Fourth level</a:t>
             </a:r>
           </a:p>
           <a:p>
             <a:pPr lvl="4"/>
             <a:r>
-              <a:rPr lang="en-US" smtClean="0"/>
+              <a:rPr lang="en-US"/>
               <a:t>Fifth level</a:t>
             </a:r>
-            <a:endParaRPr lang="en-US"/>
           </a:p>
         </p:txBody>
       </p:sp>
@@ -1603,7 +1854,7 @@
           <a:p>
             <a:fld id="{00C5EB10-A60C-49B1-88B5-8691CB73173A}" type="datetimeFigureOut">
               <a:rPr lang="en-US" smtClean="0"/>
-              <a:t>6/8/2020</a:t>
+              <a:t>7/25/2020</a:t>
             </a:fld>
             <a:endParaRPr lang="en-US"/>
           </a:p>
@@ -1697,10 +1948,9 @@
           <a:lstStyle/>
           <a:p>
             <a:r>
-              <a:rPr lang="en-US" smtClean="0"/>
+              <a:rPr lang="en-US"/>
               <a:t>Click to edit Master title style</a:t>
             </a:r>
-            <a:endParaRPr lang="en-US"/>
           </a:p>
         </p:txBody>
       </p:sp>
@@ -1721,7 +1971,7 @@
           <a:p>
             <a:fld id="{00C5EB10-A60C-49B1-88B5-8691CB73173A}" type="datetimeFigureOut">
               <a:rPr lang="en-US" smtClean="0"/>
-              <a:t>6/8/2020</a:t>
+              <a:t>7/25/2020</a:t>
             </a:fld>
             <a:endParaRPr lang="en-US"/>
           </a:p>
@@ -1816,7 +2066,7 @@
           <a:p>
             <a:fld id="{00C5EB10-A60C-49B1-88B5-8691CB73173A}" type="datetimeFigureOut">
               <a:rPr lang="en-US" smtClean="0"/>
-              <a:t>6/8/2020</a:t>
+              <a:t>7/25/2020</a:t>
             </a:fld>
             <a:endParaRPr lang="en-US"/>
           </a:p>
@@ -1919,10 +2169,9 @@
           </a:lstStyle>
           <a:p>
             <a:r>
-              <a:rPr lang="en-US" smtClean="0"/>
+              <a:rPr lang="en-US"/>
               <a:t>Click to edit Master title style</a:t>
             </a:r>
-            <a:endParaRPr lang="en-US"/>
           </a:p>
         </p:txBody>
       </p:sp>
@@ -1976,38 +2225,37 @@
           <a:p>
             <a:pPr lvl="0"/>
             <a:r>
-              <a:rPr lang="en-US" smtClean="0"/>
+              <a:rPr lang="en-US"/>
               <a:t>Edit Master text styles</a:t>
             </a:r>
           </a:p>
           <a:p>
             <a:pPr lvl="1"/>
             <a:r>
-              <a:rPr lang="en-US" smtClean="0"/>
+              <a:rPr lang="en-US"/>
               <a:t>Second level</a:t>
             </a:r>
           </a:p>
           <a:p>
             <a:pPr lvl="2"/>
             <a:r>
-              <a:rPr lang="en-US" smtClean="0"/>
+              <a:rPr lang="en-US"/>
               <a:t>Third level</a:t>
             </a:r>
           </a:p>
           <a:p>
             <a:pPr lvl="3"/>
             <a:r>
-              <a:rPr lang="en-US" smtClean="0"/>
+              <a:rPr lang="en-US"/>
               <a:t>Fourth level</a:t>
             </a:r>
           </a:p>
           <a:p>
             <a:pPr lvl="4"/>
             <a:r>
-              <a:rPr lang="en-US" smtClean="0"/>
+              <a:rPr lang="en-US"/>
               <a:t>Fifth level</a:t>
             </a:r>
-            <a:endParaRPr lang="en-US"/>
           </a:p>
         </p:txBody>
       </p:sp>
@@ -2070,7 +2318,7 @@
           <a:p>
             <a:pPr lvl="0"/>
             <a:r>
-              <a:rPr lang="en-US" smtClean="0"/>
+              <a:rPr lang="en-US"/>
               <a:t>Edit Master text styles</a:t>
             </a:r>
           </a:p>
@@ -2093,7 +2341,7 @@
           <a:p>
             <a:fld id="{00C5EB10-A60C-49B1-88B5-8691CB73173A}" type="datetimeFigureOut">
               <a:rPr lang="en-US" smtClean="0"/>
-              <a:t>6/8/2020</a:t>
+              <a:t>7/25/2020</a:t>
             </a:fld>
             <a:endParaRPr lang="en-US"/>
           </a:p>
@@ -2196,10 +2444,9 @@
           </a:lstStyle>
           <a:p>
             <a:r>
-              <a:rPr lang="en-US" smtClean="0"/>
+              <a:rPr lang="en-US"/>
               <a:t>Click to edit Master title style</a:t>
             </a:r>
-            <a:endParaRPr lang="en-US"/>
           </a:p>
         </p:txBody>
       </p:sp>
@@ -2323,7 +2570,7 @@
           <a:p>
             <a:pPr lvl="0"/>
             <a:r>
-              <a:rPr lang="en-US" smtClean="0"/>
+              <a:rPr lang="en-US"/>
               <a:t>Edit Master text styles</a:t>
             </a:r>
           </a:p>
@@ -2346,7 +2593,7 @@
           <a:p>
             <a:fld id="{00C5EB10-A60C-49B1-88B5-8691CB73173A}" type="datetimeFigureOut">
               <a:rPr lang="en-US" smtClean="0"/>
-              <a:t>6/8/2020</a:t>
+              <a:t>7/25/2020</a:t>
             </a:fld>
             <a:endParaRPr lang="en-US"/>
           </a:p>
@@ -2455,10 +2702,9 @@
           <a:lstStyle/>
           <a:p>
             <a:r>
-              <a:rPr lang="en-US" smtClean="0"/>
+              <a:rPr lang="en-US"/>
               <a:t>Click to edit Master title style</a:t>
             </a:r>
-            <a:endParaRPr lang="en-US"/>
           </a:p>
         </p:txBody>
       </p:sp>
@@ -2489,38 +2735,37 @@
           <a:p>
             <a:pPr lvl="0"/>
             <a:r>
-              <a:rPr lang="en-US" smtClean="0"/>
+              <a:rPr lang="en-US"/>
               <a:t>Edit Master text styles</a:t>
             </a:r>
           </a:p>
           <a:p>
             <a:pPr lvl="1"/>
             <a:r>
-              <a:rPr lang="en-US" smtClean="0"/>
+              <a:rPr lang="en-US"/>
               <a:t>Second level</a:t>
             </a:r>
           </a:p>
           <a:p>
             <a:pPr lvl="2"/>
             <a:r>
-              <a:rPr lang="en-US" smtClean="0"/>
+              <a:rPr lang="en-US"/>
               <a:t>Third level</a:t>
             </a:r>
           </a:p>
           <a:p>
             <a:pPr lvl="3"/>
             <a:r>
-              <a:rPr lang="en-US" smtClean="0"/>
+              <a:rPr lang="en-US"/>
               <a:t>Fourth level</a:t>
             </a:r>
           </a:p>
           <a:p>
             <a:pPr lvl="4"/>
             <a:r>
-              <a:rPr lang="en-US" smtClean="0"/>
+              <a:rPr lang="en-US"/>
               <a:t>Fifth level</a:t>
             </a:r>
-            <a:endParaRPr lang="en-US"/>
           </a:p>
         </p:txBody>
       </p:sp>
@@ -2559,7 +2804,7 @@
           <a:p>
             <a:fld id="{00C5EB10-A60C-49B1-88B5-8691CB73173A}" type="datetimeFigureOut">
               <a:rPr lang="en-US" smtClean="0"/>
-              <a:t>6/8/2020</a:t>
+              <a:t>7/25/2020</a:t>
             </a:fld>
             <a:endParaRPr lang="en-US"/>
           </a:p>
@@ -2972,8 +3217,8 @@
         </p:nvSpPr>
         <p:spPr>
           <a:xfrm>
-            <a:off x="7842738" y="1201670"/>
-            <a:ext cx="3376247" cy="4484022"/>
+            <a:off x="8664734" y="1112767"/>
+            <a:ext cx="2930770" cy="2596608"/>
           </a:xfrm>
           <a:prstGeom prst="rect">
             <a:avLst/>
@@ -3018,8 +3263,8 @@
         </p:nvSpPr>
         <p:spPr>
           <a:xfrm>
-            <a:off x="3493477" y="914400"/>
-            <a:ext cx="5896708" cy="369332"/>
+            <a:off x="-515816" y="57725"/>
+            <a:ext cx="5896708" cy="769441"/>
           </a:xfrm>
           <a:prstGeom prst="rect">
             <a:avLst/>
@@ -3032,11 +3277,11 @@
           </a:bodyPr>
           <a:lstStyle/>
           <a:p>
-            <a:r>
-              <a:rPr lang="en-US" dirty="0" smtClean="0"/>
-              <a:t>Overview of app</a:t>
-            </a:r>
-            <a:endParaRPr lang="en-US" dirty="0"/>
+            <a:pPr algn="ctr"/>
+            <a:r>
+              <a:rPr lang="en-US" sz="4400" dirty="0"/>
+              <a:t>Dashboard Backend</a:t>
+            </a:r>
           </a:p>
         </p:txBody>
       </p:sp>
@@ -3048,7 +3293,7 @@
         </p:nvSpPr>
         <p:spPr>
           <a:xfrm>
-            <a:off x="949569" y="1793631"/>
+            <a:off x="3652427" y="5747611"/>
             <a:ext cx="1641231" cy="369332"/>
           </a:xfrm>
           <a:prstGeom prst="rect">
@@ -3063,10 +3308,9 @@
           <a:lstStyle/>
           <a:p>
             <a:r>
-              <a:rPr lang="en-US" dirty="0" smtClean="0"/>
+              <a:rPr lang="en-US" dirty="0"/>
               <a:t>Facebook data</a:t>
             </a:r>
-            <a:endParaRPr lang="en-US" dirty="0"/>
           </a:p>
         </p:txBody>
       </p:sp>
@@ -3078,7 +3322,7 @@
         </p:nvSpPr>
         <p:spPr>
           <a:xfrm>
-            <a:off x="973015" y="3798278"/>
+            <a:off x="4939208" y="4947139"/>
             <a:ext cx="1641231" cy="369332"/>
           </a:xfrm>
           <a:prstGeom prst="rect">
@@ -3093,10 +3337,9 @@
           <a:lstStyle/>
           <a:p>
             <a:r>
-              <a:rPr lang="en-US" dirty="0" smtClean="0"/>
+              <a:rPr lang="en-US" dirty="0"/>
               <a:t>Redcap data</a:t>
             </a:r>
-            <a:endParaRPr lang="en-US" dirty="0"/>
           </a:p>
         </p:txBody>
       </p:sp>
@@ -3108,8 +3351,8 @@
         </p:nvSpPr>
         <p:spPr>
           <a:xfrm>
-            <a:off x="3645877" y="1978297"/>
-            <a:ext cx="3012831" cy="2089611"/>
+            <a:off x="5017477" y="1978297"/>
+            <a:ext cx="1641231" cy="2089611"/>
           </a:xfrm>
           <a:prstGeom prst="rect">
             <a:avLst/>
@@ -3148,7 +3391,7 @@
         </p:nvSpPr>
         <p:spPr>
           <a:xfrm>
-            <a:off x="4009292" y="2450123"/>
+            <a:off x="5578116" y="2446965"/>
             <a:ext cx="2004646" cy="369332"/>
           </a:xfrm>
           <a:prstGeom prst="rect">
@@ -3163,103 +3406,24 @@
           <a:lstStyle/>
           <a:p>
             <a:r>
-              <a:rPr lang="en-US" dirty="0" smtClean="0"/>
+              <a:rPr lang="en-US" dirty="0"/>
               <a:t>Shiny </a:t>
             </a:r>
-            <a:endParaRPr lang="en-US" dirty="0"/>
-          </a:p>
-        </p:txBody>
-      </p:sp>
-      <p:sp>
-        <p:nvSpPr>
-          <p:cNvPr id="9" name="Cloud Callout 8"/>
-          <p:cNvSpPr/>
-          <p:nvPr/>
-        </p:nvSpPr>
-        <p:spPr>
-          <a:xfrm>
-            <a:off x="8780585" y="1571003"/>
-            <a:ext cx="1219200" cy="656492"/>
-          </a:xfrm>
-          <a:prstGeom prst="cloudCallout">
-            <a:avLst/>
-          </a:prstGeom>
-        </p:spPr>
-        <p:style>
-          <a:lnRef idx="2">
-            <a:schemeClr val="accent1">
-              <a:shade val="50000"/>
-            </a:schemeClr>
-          </a:lnRef>
-          <a:fillRef idx="1">
-            <a:schemeClr val="accent1"/>
-          </a:fillRef>
-          <a:effectRef idx="0">
-            <a:schemeClr val="accent1"/>
-          </a:effectRef>
-          <a:fontRef idx="minor">
-            <a:schemeClr val="lt1"/>
-          </a:fontRef>
-        </p:style>
-        <p:txBody>
-          <a:bodyPr rtlCol="0" anchor="ctr"/>
-          <a:lstStyle/>
-          <a:p>
-            <a:pPr algn="ctr"/>
-            <a:endParaRPr lang="en-US"/>
-          </a:p>
-        </p:txBody>
-      </p:sp>
-      <p:sp>
-        <p:nvSpPr>
-          <p:cNvPr id="10" name="Curved Up Ribbon 9"/>
-          <p:cNvSpPr/>
-          <p:nvPr/>
-        </p:nvSpPr>
-        <p:spPr>
-          <a:xfrm>
-            <a:off x="8452339" y="3124200"/>
-            <a:ext cx="2098431" cy="1887416"/>
-          </a:xfrm>
-          <a:prstGeom prst="ellipseRibbon2">
-            <a:avLst/>
-          </a:prstGeom>
-        </p:spPr>
-        <p:style>
-          <a:lnRef idx="2">
-            <a:schemeClr val="accent1">
-              <a:shade val="50000"/>
-            </a:schemeClr>
-          </a:lnRef>
-          <a:fillRef idx="1">
-            <a:schemeClr val="accent1"/>
-          </a:fillRef>
-          <a:effectRef idx="0">
-            <a:schemeClr val="accent1"/>
-          </a:effectRef>
-          <a:fontRef idx="minor">
-            <a:schemeClr val="lt1"/>
-          </a:fontRef>
-        </p:style>
-        <p:txBody>
-          <a:bodyPr rtlCol="0" anchor="ctr"/>
-          <a:lstStyle/>
-          <a:p>
-            <a:pPr algn="ctr"/>
-            <a:endParaRPr lang="en-US"/>
           </a:p>
         </p:txBody>
       </p:sp>
       <p:cxnSp>
         <p:nvCxnSpPr>
           <p:cNvPr id="12" name="Straight Arrow Connector 11"/>
-          <p:cNvCxnSpPr/>
+          <p:cNvCxnSpPr>
+            <a:cxnSpLocks/>
+          </p:cNvCxnSpPr>
           <p:nvPr/>
         </p:nvCxnSpPr>
         <p:spPr>
           <a:xfrm>
-            <a:off x="1793630" y="1978297"/>
-            <a:ext cx="1875693" cy="656492"/>
+            <a:off x="7225554" y="5444952"/>
+            <a:ext cx="424099" cy="324581"/>
           </a:xfrm>
           <a:prstGeom prst="straightConnector1">
             <a:avLst/>
@@ -3291,7 +3455,7 @@
         </p:nvCxnSpPr>
         <p:spPr>
           <a:xfrm flipV="1">
-            <a:off x="2180492" y="3364523"/>
+            <a:off x="8133057" y="4305817"/>
             <a:ext cx="1465385" cy="803087"/>
           </a:xfrm>
           <a:prstGeom prst="straightConnector1">
@@ -3349,10 +3513,365 @@
           </a:fontRef>
         </p:style>
       </p:cxnSp>
+      <p:sp>
+        <p:nvSpPr>
+          <p:cNvPr id="3" name="TextBox 2">
+            <a:extLst>
+              <a:ext uri="{FF2B5EF4-FFF2-40B4-BE49-F238E27FC236}">
+                <a16:creationId xmlns:a16="http://schemas.microsoft.com/office/drawing/2014/main" id="{06050F34-A8A1-40D6-AA7A-C5C5C237F4C8}"/>
+              </a:ext>
+            </a:extLst>
+          </p:cNvPr>
+          <p:cNvSpPr txBox="1"/>
+          <p:nvPr/>
+        </p:nvSpPr>
+        <p:spPr>
+          <a:xfrm>
+            <a:off x="8664734" y="1112767"/>
+            <a:ext cx="2930770" cy="369332"/>
+          </a:xfrm>
+          <a:prstGeom prst="rect">
+            <a:avLst/>
+          </a:prstGeom>
+          <a:noFill/>
+        </p:spPr>
+        <p:txBody>
+          <a:bodyPr wrap="square" rtlCol="0">
+            <a:spAutoFit/>
+          </a:bodyPr>
+          <a:lstStyle/>
+          <a:p>
+            <a:pPr algn="ctr"/>
+            <a:r>
+              <a:rPr lang="en-US" dirty="0"/>
+              <a:t>home-energy dashboard</a:t>
+            </a:r>
+          </a:p>
+        </p:txBody>
+      </p:sp>
+      <p:pic>
+        <p:nvPicPr>
+          <p:cNvPr id="18" name="Graphic 17" descr="House">
+            <a:extLst>
+              <a:ext uri="{FF2B5EF4-FFF2-40B4-BE49-F238E27FC236}">
+                <a16:creationId xmlns:a16="http://schemas.microsoft.com/office/drawing/2014/main" id="{B1CC408F-18BC-4AF0-9C33-3B787FE32E47}"/>
+              </a:ext>
+            </a:extLst>
+          </p:cNvPr>
+          <p:cNvPicPr>
+            <a:picLocks noChangeAspect="1"/>
+          </p:cNvPicPr>
+          <p:nvPr/>
+        </p:nvPicPr>
+        <p:blipFill>
+          <a:blip r:embed="rId2">
+            <a:extLst>
+              <a:ext uri="{28A0092B-C50C-407E-A947-70E740481C1C}">
+                <a14:useLocalDpi xmlns:a14="http://schemas.microsoft.com/office/drawing/2010/main" val="0"/>
+              </a:ext>
+              <a:ext uri="{96DAC541-7B7A-43D3-8B79-37D633B846F1}">
+                <asvg:svgBlip xmlns:asvg="http://schemas.microsoft.com/office/drawing/2016/SVG/main" r:embed="rId3"/>
+              </a:ext>
+            </a:extLst>
+          </a:blip>
+          <a:stretch>
+            <a:fillRect/>
+          </a:stretch>
+        </p:blipFill>
+        <p:spPr>
+          <a:xfrm>
+            <a:off x="75765" y="2215832"/>
+            <a:ext cx="2426335" cy="2426335"/>
+          </a:xfrm>
+          <a:prstGeom prst="rect">
+            <a:avLst/>
+          </a:prstGeom>
+        </p:spPr>
+      </p:pic>
+      <p:pic>
+        <p:nvPicPr>
+          <p:cNvPr id="27" name="Graphic 26" descr="Dim (Smaller Sun)">
+            <a:extLst>
+              <a:ext uri="{FF2B5EF4-FFF2-40B4-BE49-F238E27FC236}">
+                <a16:creationId xmlns:a16="http://schemas.microsoft.com/office/drawing/2014/main" id="{B7D2BC12-FAE3-4A2F-90C1-FD0FCB83C48E}"/>
+              </a:ext>
+            </a:extLst>
+          </p:cNvPr>
+          <p:cNvPicPr>
+            <a:picLocks noChangeAspect="1"/>
+          </p:cNvPicPr>
+          <p:nvPr/>
+        </p:nvPicPr>
+        <p:blipFill>
+          <a:blip r:embed="rId4">
+            <a:extLst>
+              <a:ext uri="{28A0092B-C50C-407E-A947-70E740481C1C}">
+                <a14:useLocalDpi xmlns:a14="http://schemas.microsoft.com/office/drawing/2010/main" val="0"/>
+              </a:ext>
+              <a:ext uri="{96DAC541-7B7A-43D3-8B79-37D633B846F1}">
+                <asvg:svgBlip xmlns:asvg="http://schemas.microsoft.com/office/drawing/2016/SVG/main" r:embed="rId5"/>
+              </a:ext>
+            </a:extLst>
+          </a:blip>
+          <a:stretch>
+            <a:fillRect/>
+          </a:stretch>
+        </p:blipFill>
+        <p:spPr>
+          <a:xfrm>
+            <a:off x="2590713" y="1358143"/>
+            <a:ext cx="914400" cy="914400"/>
+          </a:xfrm>
+          <a:prstGeom prst="rect">
+            <a:avLst/>
+          </a:prstGeom>
+        </p:spPr>
+      </p:pic>
     </p:spTree>
     <p:extLst>
       <p:ext uri="{BB962C8B-B14F-4D97-AF65-F5344CB8AC3E}">
         <p14:creationId xmlns:p14="http://schemas.microsoft.com/office/powerpoint/2010/main" val="821542727"/>
+      </p:ext>
+    </p:extLst>
+  </p:cSld>
+  <p:clrMapOvr>
+    <a:masterClrMapping/>
+  </p:clrMapOvr>
+</p:sld>
+</file>
+
+<file path=ppt/slides/slide2.xml><?xml version="1.0" encoding="utf-8"?>
+<p:sld xmlns:a="http://schemas.openxmlformats.org/drawingml/2006/main" xmlns:r="http://schemas.openxmlformats.org/officeDocument/2006/relationships" xmlns:p="http://schemas.openxmlformats.org/presentationml/2006/main">
+  <p:cSld>
+    <p:spTree>
+      <p:nvGrpSpPr>
+        <p:cNvPr id="1" name=""/>
+        <p:cNvGrpSpPr/>
+        <p:nvPr/>
+      </p:nvGrpSpPr>
+      <p:grpSpPr>
+        <a:xfrm>
+          <a:off x="0" y="0"/>
+          <a:ext cx="0" cy="0"/>
+          <a:chOff x="0" y="0"/>
+          <a:chExt cx="0" cy="0"/>
+        </a:xfrm>
+      </p:grpSpPr>
+      <p:sp>
+        <p:nvSpPr>
+          <p:cNvPr id="2" name="Title 1">
+            <a:extLst>
+              <a:ext uri="{FF2B5EF4-FFF2-40B4-BE49-F238E27FC236}">
+                <a16:creationId xmlns:a16="http://schemas.microsoft.com/office/drawing/2014/main" id="{C27A5051-CD84-4F22-A4EA-040A072A097F}"/>
+              </a:ext>
+            </a:extLst>
+          </p:cNvPr>
+          <p:cNvSpPr>
+            <a:spLocks noGrp="1"/>
+          </p:cNvSpPr>
+          <p:nvPr>
+            <p:ph type="title"/>
+          </p:nvPr>
+        </p:nvSpPr>
+        <p:spPr>
+          <a:xfrm>
+            <a:off x="336177" y="0"/>
+            <a:ext cx="10515600" cy="854075"/>
+          </a:xfrm>
+        </p:spPr>
+        <p:txBody>
+          <a:bodyPr/>
+          <a:lstStyle/>
+          <a:p>
+            <a:r>
+              <a:rPr lang="en-US" dirty="0"/>
+              <a:t>Dashboard Layout Ideas</a:t>
+            </a:r>
+          </a:p>
+        </p:txBody>
+      </p:sp>
+      <p:pic>
+        <p:nvPicPr>
+          <p:cNvPr id="1026" name="Picture 2" descr="Home energy dashboard — Alice Eamsherangkoon">
+            <a:extLst>
+              <a:ext uri="{FF2B5EF4-FFF2-40B4-BE49-F238E27FC236}">
+                <a16:creationId xmlns:a16="http://schemas.microsoft.com/office/drawing/2014/main" id="{383D161B-06FD-4BD5-A214-4498BC36CE05}"/>
+              </a:ext>
+            </a:extLst>
+          </p:cNvPr>
+          <p:cNvPicPr>
+            <a:picLocks noChangeAspect="1" noChangeArrowheads="1"/>
+          </p:cNvPicPr>
+          <p:nvPr/>
+        </p:nvPicPr>
+        <p:blipFill rotWithShape="1">
+          <a:blip r:embed="rId2">
+            <a:extLst>
+              <a:ext uri="{28A0092B-C50C-407E-A947-70E740481C1C}">
+                <a14:useLocalDpi xmlns:a14="http://schemas.microsoft.com/office/drawing/2010/main" val="0"/>
+              </a:ext>
+            </a:extLst>
+          </a:blip>
+          <a:srcRect l="18175" t="15037" r="18000" b="14197"/>
+          <a:stretch/>
+        </p:blipFill>
+        <p:spPr bwMode="auto">
+          <a:xfrm>
+            <a:off x="428731" y="854075"/>
+            <a:ext cx="4058129" cy="2542200"/>
+          </a:xfrm>
+          <a:prstGeom prst="rect">
+            <a:avLst/>
+          </a:prstGeom>
+          <a:noFill/>
+          <a:ln w="38100">
+            <a:solidFill>
+              <a:schemeClr val="tx1"/>
+            </a:solidFill>
+          </a:ln>
+          <a:extLst>
+            <a:ext uri="{909E8E84-426E-40DD-AFC4-6F175D3DCCD1}">
+              <a14:hiddenFill xmlns:a14="http://schemas.microsoft.com/office/drawing/2010/main">
+                <a:solidFill>
+                  <a:srgbClr val="FFFFFF"/>
+                </a:solidFill>
+              </a14:hiddenFill>
+            </a:ext>
+          </a:extLst>
+        </p:spPr>
+      </p:pic>
+      <p:pic>
+        <p:nvPicPr>
+          <p:cNvPr id="1028" name="Picture 4" descr="Home energy management systems | CHOICE">
+            <a:extLst>
+              <a:ext uri="{FF2B5EF4-FFF2-40B4-BE49-F238E27FC236}">
+                <a16:creationId xmlns:a16="http://schemas.microsoft.com/office/drawing/2014/main" id="{E5BC324D-3121-45E1-94AC-C9303062FE4D}"/>
+              </a:ext>
+            </a:extLst>
+          </p:cNvPr>
+          <p:cNvPicPr>
+            <a:picLocks noChangeAspect="1" noChangeArrowheads="1"/>
+          </p:cNvPicPr>
+          <p:nvPr/>
+        </p:nvPicPr>
+        <p:blipFill>
+          <a:blip r:embed="rId3">
+            <a:extLst>
+              <a:ext uri="{28A0092B-C50C-407E-A947-70E740481C1C}">
+                <a14:useLocalDpi xmlns:a14="http://schemas.microsoft.com/office/drawing/2010/main" val="0"/>
+              </a:ext>
+            </a:extLst>
+          </a:blip>
+          <a:srcRect/>
+          <a:stretch>
+            <a:fillRect/>
+          </a:stretch>
+        </p:blipFill>
+        <p:spPr bwMode="auto">
+          <a:xfrm>
+            <a:off x="4692747" y="2781189"/>
+            <a:ext cx="2220217" cy="3947052"/>
+          </a:xfrm>
+          <a:prstGeom prst="rect">
+            <a:avLst/>
+          </a:prstGeom>
+          <a:noFill/>
+          <a:ln w="38100">
+            <a:solidFill>
+              <a:schemeClr val="tx1"/>
+            </a:solidFill>
+          </a:ln>
+          <a:extLst>
+            <a:ext uri="{909E8E84-426E-40DD-AFC4-6F175D3DCCD1}">
+              <a14:hiddenFill xmlns:a14="http://schemas.microsoft.com/office/drawing/2010/main">
+                <a:solidFill>
+                  <a:srgbClr val="FFFFFF"/>
+                </a:solidFill>
+              </a14:hiddenFill>
+            </a:ext>
+          </a:extLst>
+        </p:spPr>
+      </p:pic>
+      <p:pic>
+        <p:nvPicPr>
+          <p:cNvPr id="1030" name="Picture 6" descr="Solar PV - Guide | OpenEnergyMonitor">
+            <a:extLst>
+              <a:ext uri="{FF2B5EF4-FFF2-40B4-BE49-F238E27FC236}">
+                <a16:creationId xmlns:a16="http://schemas.microsoft.com/office/drawing/2014/main" id="{66C798BC-7AB4-47F9-8686-1F4FE332AED4}"/>
+              </a:ext>
+            </a:extLst>
+          </p:cNvPr>
+          <p:cNvPicPr>
+            <a:picLocks noChangeAspect="1" noChangeArrowheads="1"/>
+          </p:cNvPicPr>
+          <p:nvPr/>
+        </p:nvPicPr>
+        <p:blipFill>
+          <a:blip r:embed="rId4">
+            <a:extLst>
+              <a:ext uri="{28A0092B-C50C-407E-A947-70E740481C1C}">
+                <a14:useLocalDpi xmlns:a14="http://schemas.microsoft.com/office/drawing/2010/main" val="0"/>
+              </a:ext>
+            </a:extLst>
+          </a:blip>
+          <a:srcRect/>
+          <a:stretch>
+            <a:fillRect/>
+          </a:stretch>
+        </p:blipFill>
+        <p:spPr bwMode="auto">
+          <a:xfrm>
+            <a:off x="428731" y="3687745"/>
+            <a:ext cx="3793582" cy="3040496"/>
+          </a:xfrm>
+          <a:prstGeom prst="rect">
+            <a:avLst/>
+          </a:prstGeom>
+          <a:noFill/>
+          <a:extLst>
+            <a:ext uri="{909E8E84-426E-40DD-AFC4-6F175D3DCCD1}">
+              <a14:hiddenFill xmlns:a14="http://schemas.microsoft.com/office/drawing/2010/main">
+                <a:solidFill>
+                  <a:srgbClr val="FFFFFF"/>
+                </a:solidFill>
+              </a14:hiddenFill>
+            </a:ext>
+          </a:extLst>
+        </p:spPr>
+      </p:pic>
+      <p:pic>
+        <p:nvPicPr>
+          <p:cNvPr id="7" name="Picture 6">
+            <a:extLst>
+              <a:ext uri="{FF2B5EF4-FFF2-40B4-BE49-F238E27FC236}">
+                <a16:creationId xmlns:a16="http://schemas.microsoft.com/office/drawing/2014/main" id="{A03A0974-88F8-4547-88E1-6E5C697D5289}"/>
+              </a:ext>
+            </a:extLst>
+          </p:cNvPr>
+          <p:cNvPicPr>
+            <a:picLocks noChangeAspect="1"/>
+          </p:cNvPicPr>
+          <p:nvPr/>
+        </p:nvPicPr>
+        <p:blipFill rotWithShape="1">
+          <a:blip r:embed="rId5"/>
+          <a:srcRect l="4451" t="15055" r="54176"/>
+          <a:stretch/>
+        </p:blipFill>
+        <p:spPr>
+          <a:xfrm>
+            <a:off x="7219335" y="170822"/>
+            <a:ext cx="4731046" cy="2731896"/>
+          </a:xfrm>
+          <a:prstGeom prst="rect">
+            <a:avLst/>
+          </a:prstGeom>
+        </p:spPr>
+      </p:pic>
+    </p:spTree>
+    <p:extLst>
+      <p:ext uri="{BB962C8B-B14F-4D97-AF65-F5344CB8AC3E}">
+        <p14:creationId xmlns:p14="http://schemas.microsoft.com/office/powerpoint/2010/main" val="3892135696"/>
       </p:ext>
     </p:extLst>
   </p:cSld>

--- a/figures/project_overview.pptx
+++ b/figures/project_overview.pptx
@@ -3211,52 +3211,6 @@
       </p:grpSpPr>
       <p:sp>
         <p:nvSpPr>
-          <p:cNvPr id="17" name="Rectangle 16"/>
-          <p:cNvSpPr/>
-          <p:nvPr/>
-        </p:nvSpPr>
-        <p:spPr>
-          <a:xfrm>
-            <a:off x="8664734" y="1112767"/>
-            <a:ext cx="2930770" cy="2596608"/>
-          </a:xfrm>
-          <a:prstGeom prst="rect">
-            <a:avLst/>
-          </a:prstGeom>
-          <a:solidFill>
-            <a:schemeClr val="accent2">
-              <a:lumMod val="60000"/>
-              <a:lumOff val="40000"/>
-            </a:schemeClr>
-          </a:solidFill>
-        </p:spPr>
-        <p:style>
-          <a:lnRef idx="2">
-            <a:schemeClr val="accent1">
-              <a:shade val="50000"/>
-            </a:schemeClr>
-          </a:lnRef>
-          <a:fillRef idx="1">
-            <a:schemeClr val="accent1"/>
-          </a:fillRef>
-          <a:effectRef idx="0">
-            <a:schemeClr val="accent1"/>
-          </a:effectRef>
-          <a:fontRef idx="minor">
-            <a:schemeClr val="lt1"/>
-          </a:fontRef>
-        </p:style>
-        <p:txBody>
-          <a:bodyPr rtlCol="0" anchor="ctr"/>
-          <a:lstStyle/>
-          <a:p>
-            <a:pPr algn="ctr"/>
-            <a:endParaRPr lang="en-US"/>
-          </a:p>
-        </p:txBody>
-      </p:sp>
-      <p:sp>
-        <p:nvSpPr>
           <p:cNvPr id="4" name="TextBox 3"/>
           <p:cNvSpPr txBox="1"/>
           <p:nvPr/>
@@ -3293,8 +3247,8 @@
         </p:nvSpPr>
         <p:spPr>
           <a:xfrm>
-            <a:off x="3652427" y="5747611"/>
-            <a:ext cx="1641231" cy="369332"/>
+            <a:off x="2931908" y="5616965"/>
+            <a:ext cx="2997838" cy="369332"/>
           </a:xfrm>
           <a:prstGeom prst="rect">
             <a:avLst/>
@@ -3308,127 +3262,111 @@
           <a:lstStyle/>
           <a:p>
             <a:r>
-              <a:rPr lang="en-US" dirty="0"/>
-              <a:t>Facebook data</a:t>
-            </a:r>
-          </a:p>
-        </p:txBody>
-      </p:sp>
-      <p:sp>
-        <p:nvSpPr>
-          <p:cNvPr id="6" name="TextBox 5"/>
-          <p:cNvSpPr txBox="1"/>
+              <a:rPr lang="en-US" dirty="0" smtClean="0"/>
+              <a:t>Power Consumption (wats)</a:t>
+            </a:r>
+            <a:endParaRPr lang="en-US" dirty="0"/>
+          </a:p>
+        </p:txBody>
+      </p:sp>
+      <p:pic>
+        <p:nvPicPr>
+          <p:cNvPr id="27" name="Graphic 26" descr="Dim (Smaller Sun)">
+            <a:extLst>
+              <a:ext uri="{FF2B5EF4-FFF2-40B4-BE49-F238E27FC236}">
+                <a16:creationId xmlns:a16="http://schemas.microsoft.com/office/drawing/2014/main" id="{B7D2BC12-FAE3-4A2F-90C1-FD0FCB83C48E}"/>
+              </a:ext>
+            </a:extLst>
+          </p:cNvPr>
+          <p:cNvPicPr>
+            <a:picLocks noChangeAspect="1"/>
+          </p:cNvPicPr>
           <p:nvPr/>
-        </p:nvSpPr>
+        </p:nvPicPr>
+        <p:blipFill>
+          <a:blip r:embed="rId2">
+            <a:extLst>
+              <a:ext uri="{28A0092B-C50C-407E-A947-70E740481C1C}">
+                <a14:useLocalDpi xmlns:a14="http://schemas.microsoft.com/office/drawing/2010/main" val="0"/>
+              </a:ext>
+              <a:ext uri="{96DAC541-7B7A-43D3-8B79-37D633B846F1}">
+                <asvg:svgBlip xmlns:asvg="http://schemas.microsoft.com/office/drawing/2016/SVG/main" xmlns="" r:embed="rId5"/>
+              </a:ext>
+            </a:extLst>
+          </a:blip>
+          <a:stretch>
+            <a:fillRect/>
+          </a:stretch>
+        </p:blipFill>
         <p:spPr>
           <a:xfrm>
-            <a:off x="4939208" y="4947139"/>
-            <a:ext cx="1641231" cy="369332"/>
+            <a:off x="4740789" y="-123469"/>
+            <a:ext cx="1901269" cy="1901269"/>
+          </a:xfrm>
+          <a:prstGeom prst="rect">
+            <a:avLst/>
+          </a:prstGeom>
+        </p:spPr>
+      </p:pic>
+      <p:pic>
+        <p:nvPicPr>
+          <p:cNvPr id="1028" name="Picture 4" descr="GRU (@GRU4U) | Twitter"/>
+          <p:cNvPicPr>
+            <a:picLocks noChangeAspect="1" noChangeArrowheads="1"/>
+          </p:cNvPicPr>
+          <p:nvPr/>
+        </p:nvPicPr>
+        <p:blipFill rotWithShape="1">
+          <a:blip r:embed="rId6">
+            <a:extLst>
+              <a:ext uri="{28A0092B-C50C-407E-A947-70E740481C1C}">
+                <a14:useLocalDpi xmlns:a14="http://schemas.microsoft.com/office/drawing/2010/main" val="0"/>
+              </a:ext>
+            </a:extLst>
+          </a:blip>
+          <a:srcRect t="28849" b="26303"/>
+          <a:stretch/>
+        </p:blipFill>
+        <p:spPr bwMode="auto">
+          <a:xfrm>
+            <a:off x="459768" y="5616965"/>
+            <a:ext cx="2168686" cy="972624"/>
           </a:xfrm>
           <a:prstGeom prst="rect">
             <a:avLst/>
           </a:prstGeom>
           <a:noFill/>
+          <a:extLst>
+            <a:ext uri="{909E8E84-426E-40DD-AFC4-6F175D3DCCD1}">
+              <a14:hiddenFill xmlns:a14="http://schemas.microsoft.com/office/drawing/2010/main">
+                <a:solidFill>
+                  <a:srgbClr val="FFFFFF"/>
+                </a:solidFill>
+              </a14:hiddenFill>
+            </a:ext>
+          </a:extLst>
         </p:spPr>
-        <p:txBody>
-          <a:bodyPr wrap="square" rtlCol="0">
-            <a:spAutoFit/>
-          </a:bodyPr>
-          <a:lstStyle/>
-          <a:p>
-            <a:r>
-              <a:rPr lang="en-US" dirty="0"/>
-              <a:t>Redcap data</a:t>
-            </a:r>
-          </a:p>
-        </p:txBody>
-      </p:sp>
-      <p:sp>
-        <p:nvSpPr>
-          <p:cNvPr id="7" name="Rectangle 6"/>
-          <p:cNvSpPr/>
-          <p:nvPr/>
-        </p:nvSpPr>
-        <p:spPr>
-          <a:xfrm>
-            <a:off x="5017477" y="1978297"/>
-            <a:ext cx="1641231" cy="2089611"/>
-          </a:xfrm>
-          <a:prstGeom prst="rect">
-            <a:avLst/>
-          </a:prstGeom>
-        </p:spPr>
-        <p:style>
-          <a:lnRef idx="2">
-            <a:schemeClr val="accent1">
-              <a:shade val="50000"/>
-            </a:schemeClr>
-          </a:lnRef>
-          <a:fillRef idx="1">
-            <a:schemeClr val="accent1"/>
-          </a:fillRef>
-          <a:effectRef idx="0">
-            <a:schemeClr val="accent1"/>
-          </a:effectRef>
-          <a:fontRef idx="minor">
-            <a:schemeClr val="lt1"/>
-          </a:fontRef>
-        </p:style>
-        <p:txBody>
-          <a:bodyPr rtlCol="0" anchor="ctr"/>
-          <a:lstStyle/>
-          <a:p>
-            <a:pPr algn="ctr"/>
-            <a:endParaRPr lang="en-US"/>
-          </a:p>
-        </p:txBody>
-      </p:sp>
-      <p:sp>
-        <p:nvSpPr>
-          <p:cNvPr id="8" name="TextBox 7"/>
-          <p:cNvSpPr txBox="1"/>
-          <p:nvPr/>
-        </p:nvSpPr>
-        <p:spPr>
-          <a:xfrm>
-            <a:off x="5578116" y="2446965"/>
-            <a:ext cx="2004646" cy="369332"/>
-          </a:xfrm>
-          <a:prstGeom prst="rect">
-            <a:avLst/>
-          </a:prstGeom>
-          <a:noFill/>
-        </p:spPr>
-        <p:txBody>
-          <a:bodyPr wrap="square" rtlCol="0">
-            <a:spAutoFit/>
-          </a:bodyPr>
-          <a:lstStyle/>
-          <a:p>
-            <a:r>
-              <a:rPr lang="en-US" dirty="0"/>
-              <a:t>Shiny </a:t>
-            </a:r>
-          </a:p>
-        </p:txBody>
-      </p:sp>
+      </p:pic>
       <p:cxnSp>
         <p:nvCxnSpPr>
-          <p:cNvPr id="12" name="Straight Arrow Connector 11"/>
+          <p:cNvPr id="11" name="Elbow Connector 10"/>
           <p:cNvCxnSpPr>
-            <a:cxnSpLocks/>
+            <a:stCxn id="1028" idx="3"/>
+            <a:endCxn id="18" idx="3"/>
           </p:cNvCxnSpPr>
           <p:nvPr/>
         </p:nvCxnSpPr>
         <p:spPr>
-          <a:xfrm>
-            <a:off x="7225554" y="5444952"/>
-            <a:ext cx="424099" cy="324581"/>
+          <a:xfrm flipV="1">
+            <a:off x="2628454" y="2468878"/>
+            <a:ext cx="7952839" cy="3634399"/>
           </a:xfrm>
-          <a:prstGeom prst="straightConnector1">
-            <a:avLst/>
+          <a:prstGeom prst="bentConnector3">
+            <a:avLst>
+              <a:gd name="adj1" fmla="val 102874"/>
+            </a:avLst>
           </a:prstGeom>
-          <a:ln>
+          <a:ln w="76200">
             <a:tailEnd type="triangle"/>
           </a:ln>
         </p:spPr>
@@ -3447,186 +3385,392 @@
           </a:fontRef>
         </p:style>
       </p:cxnSp>
-      <p:cxnSp>
-        <p:nvCxnSpPr>
-          <p:cNvPr id="14" name="Straight Arrow Connector 13"/>
-          <p:cNvCxnSpPr/>
+      <p:pic>
+        <p:nvPicPr>
+          <p:cNvPr id="1032" name="Picture 8" descr="Emon cms logo | Free SVG"/>
+          <p:cNvPicPr>
+            <a:picLocks noChangeAspect="1" noChangeArrowheads="1"/>
+          </p:cNvPicPr>
           <p:nvPr/>
-        </p:nvCxnSpPr>
-        <p:spPr>
-          <a:xfrm flipV="1">
-            <a:off x="8133057" y="4305817"/>
-            <a:ext cx="1465385" cy="803087"/>
+        </p:nvPicPr>
+        <p:blipFill rotWithShape="1">
+          <a:blip r:embed="rId7">
+            <a:extLst>
+              <a:ext uri="{28A0092B-C50C-407E-A947-70E740481C1C}">
+                <a14:useLocalDpi xmlns:a14="http://schemas.microsoft.com/office/drawing/2010/main" val="0"/>
+              </a:ext>
+            </a:extLst>
+          </a:blip>
+          <a:srcRect t="39312" b="38734"/>
+          <a:stretch/>
+        </p:blipFill>
+        <p:spPr bwMode="auto">
+          <a:xfrm>
+            <a:off x="9345122" y="4534527"/>
+            <a:ext cx="2561576" cy="562371"/>
           </a:xfrm>
-          <a:prstGeom prst="straightConnector1">
+          <a:prstGeom prst="rect">
             <a:avLst/>
           </a:prstGeom>
+          <a:solidFill>
+            <a:schemeClr val="bg1"/>
+          </a:solidFill>
           <a:ln>
-            <a:tailEnd type="triangle"/>
+            <a:solidFill>
+              <a:schemeClr val="tx1"/>
+            </a:solidFill>
+          </a:ln>
+        </p:spPr>
+      </p:pic>
+      <p:pic>
+        <p:nvPicPr>
+          <p:cNvPr id="1034" name="Picture 10" descr="SolarEdge Logo Vector (.SVG + .PNG)"/>
+          <p:cNvPicPr>
+            <a:picLocks noChangeAspect="1" noChangeArrowheads="1"/>
+          </p:cNvPicPr>
+          <p:nvPr/>
+        </p:nvPicPr>
+        <p:blipFill rotWithShape="1">
+          <a:blip r:embed="rId8">
+            <a:extLst>
+              <a:ext uri="{28A0092B-C50C-407E-A947-70E740481C1C}">
+                <a14:useLocalDpi xmlns:a14="http://schemas.microsoft.com/office/drawing/2010/main" val="0"/>
+              </a:ext>
+            </a:extLst>
+          </a:blip>
+          <a:srcRect t="31031" b="28969"/>
+          <a:stretch/>
+        </p:blipFill>
+        <p:spPr bwMode="auto">
+          <a:xfrm>
+            <a:off x="4336685" y="3308169"/>
+            <a:ext cx="2619817" cy="698618"/>
+          </a:xfrm>
+          <a:prstGeom prst="rect">
+            <a:avLst/>
+          </a:prstGeom>
+          <a:noFill/>
+          <a:ln>
+            <a:solidFill>
+              <a:schemeClr val="tx1"/>
+            </a:solidFill>
+          </a:ln>
+          <a:extLst>
+            <a:ext uri="{909E8E84-426E-40DD-AFC4-6F175D3DCCD1}">
+              <a14:hiddenFill xmlns:a14="http://schemas.microsoft.com/office/drawing/2010/main">
+                <a:solidFill>
+                  <a:srgbClr val="FFFFFF"/>
+                </a:solidFill>
+              </a14:hiddenFill>
+            </a:ext>
+          </a:extLst>
+        </p:spPr>
+      </p:pic>
+      <p:sp>
+        <p:nvSpPr>
+          <p:cNvPr id="39" name="Rectangle 38"/>
+          <p:cNvSpPr/>
+          <p:nvPr/>
+        </p:nvSpPr>
+        <p:spPr>
+          <a:xfrm>
+            <a:off x="7444161" y="2174255"/>
+            <a:ext cx="1835162" cy="442183"/>
+          </a:xfrm>
+          <a:prstGeom prst="rect">
+            <a:avLst/>
+          </a:prstGeom>
+          <a:solidFill>
+            <a:schemeClr val="bg1"/>
+          </a:solidFill>
+          <a:ln>
+            <a:solidFill>
+              <a:schemeClr val="bg1"/>
+            </a:solidFill>
           </a:ln>
         </p:spPr>
         <p:style>
-          <a:lnRef idx="1">
-            <a:schemeClr val="accent1"/>
+          <a:lnRef idx="2">
+            <a:schemeClr val="accent1">
+              <a:shade val="50000"/>
+            </a:schemeClr>
           </a:lnRef>
-          <a:fillRef idx="0">
+          <a:fillRef idx="1">
             <a:schemeClr val="accent1"/>
           </a:fillRef>
           <a:effectRef idx="0">
             <a:schemeClr val="accent1"/>
           </a:effectRef>
           <a:fontRef idx="minor">
-            <a:schemeClr val="tx1"/>
+            <a:schemeClr val="lt1"/>
           </a:fontRef>
         </p:style>
-      </p:cxnSp>
-      <p:cxnSp>
-        <p:nvCxnSpPr>
-          <p:cNvPr id="16" name="Straight Arrow Connector 15"/>
-          <p:cNvCxnSpPr/>
+        <p:txBody>
+          <a:bodyPr rtlCol="0" anchor="ctr"/>
+          <a:lstStyle/>
+          <a:p>
+            <a:pPr algn="ctr"/>
+            <a:endParaRPr lang="en-US"/>
+          </a:p>
+        </p:txBody>
+      </p:sp>
+      <p:grpSp>
+        <p:nvGrpSpPr>
+          <p:cNvPr id="36" name="Group 35"/>
+          <p:cNvGrpSpPr/>
           <p:nvPr/>
-        </p:nvCxnSpPr>
-        <p:spPr>
-          <a:xfrm flipV="1">
-            <a:off x="5380892" y="2857528"/>
-            <a:ext cx="2543908" cy="92277"/>
+        </p:nvGrpSpPr>
+        <p:grpSpPr>
+          <a:xfrm>
+            <a:off x="6956502" y="921787"/>
+            <a:ext cx="3624791" cy="3094182"/>
+            <a:chOff x="8567209" y="896438"/>
+            <a:chExt cx="3624791" cy="3094182"/>
           </a:xfrm>
-          <a:prstGeom prst="straightConnector1">
-            <a:avLst/>
-          </a:prstGeom>
-          <a:ln>
-            <a:tailEnd type="triangle"/>
-          </a:ln>
-        </p:spPr>
-        <p:style>
-          <a:lnRef idx="1">
-            <a:schemeClr val="accent1"/>
-          </a:lnRef>
-          <a:fillRef idx="0">
-            <a:schemeClr val="accent1"/>
-          </a:fillRef>
-          <a:effectRef idx="0">
-            <a:schemeClr val="accent1"/>
-          </a:effectRef>
-          <a:fontRef idx="minor">
-            <a:schemeClr val="tx1"/>
-          </a:fontRef>
-        </p:style>
-      </p:cxnSp>
-      <p:sp>
-        <p:nvSpPr>
-          <p:cNvPr id="3" name="TextBox 2">
-            <a:extLst>
-              <a:ext uri="{FF2B5EF4-FFF2-40B4-BE49-F238E27FC236}">
-                <a16:creationId xmlns:a16="http://schemas.microsoft.com/office/drawing/2014/main" id="{06050F34-A8A1-40D6-AA7A-C5C5C237F4C8}"/>
-              </a:ext>
-            </a:extLst>
-          </p:cNvPr>
-          <p:cNvSpPr txBox="1"/>
-          <p:nvPr/>
-        </p:nvSpPr>
-        <p:spPr>
-          <a:xfrm>
-            <a:off x="8664734" y="1112767"/>
-            <a:ext cx="2930770" cy="369332"/>
-          </a:xfrm>
-          <a:prstGeom prst="rect">
-            <a:avLst/>
-          </a:prstGeom>
-          <a:noFill/>
-        </p:spPr>
-        <p:txBody>
-          <a:bodyPr wrap="square" rtlCol="0">
-            <a:spAutoFit/>
-          </a:bodyPr>
-          <a:lstStyle/>
-          <a:p>
-            <a:pPr algn="ctr"/>
-            <a:r>
-              <a:rPr lang="en-US" dirty="0"/>
-              <a:t>home-energy dashboard</a:t>
-            </a:r>
-          </a:p>
-        </p:txBody>
-      </p:sp>
-      <p:pic>
-        <p:nvPicPr>
-          <p:cNvPr id="18" name="Graphic 17" descr="House">
-            <a:extLst>
-              <a:ext uri="{FF2B5EF4-FFF2-40B4-BE49-F238E27FC236}">
-                <a16:creationId xmlns:a16="http://schemas.microsoft.com/office/drawing/2014/main" id="{B1CC408F-18BC-4AF0-9C33-3B787FE32E47}"/>
-              </a:ext>
-            </a:extLst>
-          </p:cNvPr>
-          <p:cNvPicPr>
-            <a:picLocks noChangeAspect="1"/>
-          </p:cNvPicPr>
-          <p:nvPr/>
-        </p:nvPicPr>
-        <p:blipFill>
-          <a:blip r:embed="rId2">
-            <a:extLst>
-              <a:ext uri="{28A0092B-C50C-407E-A947-70E740481C1C}">
-                <a14:useLocalDpi xmlns:a14="http://schemas.microsoft.com/office/drawing/2010/main" val="0"/>
-              </a:ext>
-              <a:ext uri="{96DAC541-7B7A-43D3-8B79-37D633B846F1}">
-                <asvg:svgBlip xmlns:asvg="http://schemas.microsoft.com/office/drawing/2016/SVG/main" r:embed="rId3"/>
-              </a:ext>
-            </a:extLst>
-          </a:blip>
-          <a:stretch>
-            <a:fillRect/>
-          </a:stretch>
-        </p:blipFill>
-        <p:spPr>
-          <a:xfrm>
-            <a:off x="75765" y="2215832"/>
-            <a:ext cx="2426335" cy="2426335"/>
-          </a:xfrm>
-          <a:prstGeom prst="rect">
-            <a:avLst/>
-          </a:prstGeom>
-        </p:spPr>
-      </p:pic>
-      <p:pic>
-        <p:nvPicPr>
-          <p:cNvPr id="27" name="Graphic 26" descr="Dim (Smaller Sun)">
-            <a:extLst>
-              <a:ext uri="{FF2B5EF4-FFF2-40B4-BE49-F238E27FC236}">
-                <a16:creationId xmlns:a16="http://schemas.microsoft.com/office/drawing/2014/main" id="{B7D2BC12-FAE3-4A2F-90C1-FD0FCB83C48E}"/>
-              </a:ext>
-            </a:extLst>
-          </p:cNvPr>
-          <p:cNvPicPr>
-            <a:picLocks noChangeAspect="1"/>
-          </p:cNvPicPr>
-          <p:nvPr/>
-        </p:nvPicPr>
-        <p:blipFill>
-          <a:blip r:embed="rId4">
-            <a:extLst>
-              <a:ext uri="{28A0092B-C50C-407E-A947-70E740481C1C}">
-                <a14:useLocalDpi xmlns:a14="http://schemas.microsoft.com/office/drawing/2010/main" val="0"/>
-              </a:ext>
-              <a:ext uri="{96DAC541-7B7A-43D3-8B79-37D633B846F1}">
-                <asvg:svgBlip xmlns:asvg="http://schemas.microsoft.com/office/drawing/2016/SVG/main" r:embed="rId5"/>
-              </a:ext>
-            </a:extLst>
-          </a:blip>
-          <a:stretch>
-            <a:fillRect/>
-          </a:stretch>
-        </p:blipFill>
-        <p:spPr>
-          <a:xfrm>
-            <a:off x="2590713" y="1358143"/>
-            <a:ext cx="914400" cy="914400"/>
-          </a:xfrm>
-          <a:prstGeom prst="rect">
-            <a:avLst/>
-          </a:prstGeom>
-        </p:spPr>
-      </p:pic>
+        </p:grpSpPr>
+        <p:grpSp>
+          <p:nvGrpSpPr>
+            <p:cNvPr id="31" name="Group 30"/>
+            <p:cNvGrpSpPr/>
+            <p:nvPr/>
+          </p:nvGrpSpPr>
+          <p:grpSpPr>
+            <a:xfrm>
+              <a:off x="9108347" y="925266"/>
+              <a:ext cx="1153783" cy="762677"/>
+              <a:chOff x="2247739" y="1643438"/>
+              <a:chExt cx="1835163" cy="1052418"/>
+            </a:xfrm>
+          </p:grpSpPr>
+          <p:pic>
+            <p:nvPicPr>
+              <p:cNvPr id="1036" name="Picture 12" descr="Electricity, energy, solar battery, solar panel icon"/>
+              <p:cNvPicPr>
+                <a:picLocks noChangeAspect="1" noChangeArrowheads="1"/>
+              </p:cNvPicPr>
+              <p:nvPr/>
+            </p:nvPicPr>
+            <p:blipFill rotWithShape="1">
+              <a:blip r:embed="rId9" cstate="print">
+                <a:extLst>
+                  <a:ext uri="{28A0092B-C50C-407E-A947-70E740481C1C}">
+                    <a14:useLocalDpi xmlns:a14="http://schemas.microsoft.com/office/drawing/2010/main" val="0"/>
+                  </a:ext>
+                </a:extLst>
+              </a:blip>
+              <a:srcRect l="7496" t="44482" b="1"/>
+              <a:stretch/>
+            </p:blipFill>
+            <p:spPr bwMode="auto">
+              <a:xfrm>
+                <a:off x="2247739" y="1643438"/>
+                <a:ext cx="1753528" cy="1052418"/>
+              </a:xfrm>
+              <a:prstGeom prst="rect">
+                <a:avLst/>
+              </a:prstGeom>
+              <a:noFill/>
+              <a:extLst>
+                <a:ext uri="{909E8E84-426E-40DD-AFC4-6F175D3DCCD1}">
+                  <a14:hiddenFill xmlns:a14="http://schemas.microsoft.com/office/drawing/2010/main">
+                    <a:solidFill>
+                      <a:srgbClr val="FFFFFF"/>
+                    </a:solidFill>
+                  </a14:hiddenFill>
+                </a:ext>
+              </a:extLst>
+            </p:spPr>
+          </p:pic>
+          <p:sp>
+            <p:nvSpPr>
+              <p:cNvPr id="30" name="Rectangle 29"/>
+              <p:cNvSpPr/>
+              <p:nvPr/>
+            </p:nvSpPr>
+            <p:spPr>
+              <a:xfrm>
+                <a:off x="2247740" y="2253673"/>
+                <a:ext cx="1835162" cy="442183"/>
+              </a:xfrm>
+              <a:prstGeom prst="rect">
+                <a:avLst/>
+              </a:prstGeom>
+              <a:solidFill>
+                <a:schemeClr val="bg1"/>
+              </a:solidFill>
+              <a:ln>
+                <a:solidFill>
+                  <a:schemeClr val="bg1"/>
+                </a:solidFill>
+              </a:ln>
+            </p:spPr>
+            <p:style>
+              <a:lnRef idx="2">
+                <a:schemeClr val="accent1">
+                  <a:shade val="50000"/>
+                </a:schemeClr>
+              </a:lnRef>
+              <a:fillRef idx="1">
+                <a:schemeClr val="accent1"/>
+              </a:fillRef>
+              <a:effectRef idx="0">
+                <a:schemeClr val="accent1"/>
+              </a:effectRef>
+              <a:fontRef idx="minor">
+                <a:schemeClr val="lt1"/>
+              </a:fontRef>
+            </p:style>
+            <p:txBody>
+              <a:bodyPr rtlCol="0" anchor="ctr"/>
+              <a:lstStyle/>
+              <a:p>
+                <a:pPr algn="ctr"/>
+                <a:endParaRPr lang="en-US"/>
+              </a:p>
+            </p:txBody>
+          </p:sp>
+        </p:grpSp>
+        <p:grpSp>
+          <p:nvGrpSpPr>
+            <p:cNvPr id="44" name="Group 43"/>
+            <p:cNvGrpSpPr/>
+            <p:nvPr/>
+          </p:nvGrpSpPr>
+          <p:grpSpPr>
+            <a:xfrm>
+              <a:off x="8567209" y="1439193"/>
+              <a:ext cx="1153783" cy="762677"/>
+              <a:chOff x="2247739" y="1643438"/>
+              <a:chExt cx="1835163" cy="1052418"/>
+            </a:xfrm>
+          </p:grpSpPr>
+          <p:pic>
+            <p:nvPicPr>
+              <p:cNvPr id="45" name="Picture 12" descr="Electricity, energy, solar battery, solar panel icon"/>
+              <p:cNvPicPr>
+                <a:picLocks noChangeAspect="1" noChangeArrowheads="1"/>
+              </p:cNvPicPr>
+              <p:nvPr/>
+            </p:nvPicPr>
+            <p:blipFill rotWithShape="1">
+              <a:blip r:embed="rId9" cstate="print">
+                <a:extLst>
+                  <a:ext uri="{28A0092B-C50C-407E-A947-70E740481C1C}">
+                    <a14:useLocalDpi xmlns:a14="http://schemas.microsoft.com/office/drawing/2010/main" val="0"/>
+                  </a:ext>
+                </a:extLst>
+              </a:blip>
+              <a:srcRect l="7496" t="44482" b="1"/>
+              <a:stretch/>
+            </p:blipFill>
+            <p:spPr bwMode="auto">
+              <a:xfrm>
+                <a:off x="2247739" y="1643438"/>
+                <a:ext cx="1753528" cy="1052418"/>
+              </a:xfrm>
+              <a:prstGeom prst="rect">
+                <a:avLst/>
+              </a:prstGeom>
+              <a:noFill/>
+              <a:extLst>
+                <a:ext uri="{909E8E84-426E-40DD-AFC4-6F175D3DCCD1}">
+                  <a14:hiddenFill xmlns:a14="http://schemas.microsoft.com/office/drawing/2010/main">
+                    <a:solidFill>
+                      <a:srgbClr val="FFFFFF"/>
+                    </a:solidFill>
+                  </a14:hiddenFill>
+                </a:ext>
+              </a:extLst>
+            </p:spPr>
+          </p:pic>
+          <p:sp>
+            <p:nvSpPr>
+              <p:cNvPr id="46" name="Rectangle 45"/>
+              <p:cNvSpPr/>
+              <p:nvPr/>
+            </p:nvSpPr>
+            <p:spPr>
+              <a:xfrm>
+                <a:off x="2247740" y="2253673"/>
+                <a:ext cx="1835162" cy="442183"/>
+              </a:xfrm>
+              <a:prstGeom prst="rect">
+                <a:avLst/>
+              </a:prstGeom>
+              <a:solidFill>
+                <a:schemeClr val="bg1"/>
+              </a:solidFill>
+              <a:ln>
+                <a:solidFill>
+                  <a:schemeClr val="bg1"/>
+                </a:solidFill>
+              </a:ln>
+            </p:spPr>
+            <p:style>
+              <a:lnRef idx="2">
+                <a:schemeClr val="accent1">
+                  <a:shade val="50000"/>
+                </a:schemeClr>
+              </a:lnRef>
+              <a:fillRef idx="1">
+                <a:schemeClr val="accent1"/>
+              </a:fillRef>
+              <a:effectRef idx="0">
+                <a:schemeClr val="accent1"/>
+              </a:effectRef>
+              <a:fontRef idx="minor">
+                <a:schemeClr val="lt1"/>
+              </a:fontRef>
+            </p:style>
+            <p:txBody>
+              <a:bodyPr rtlCol="0" anchor="ctr"/>
+              <a:lstStyle/>
+              <a:p>
+                <a:pPr algn="ctr"/>
+                <a:endParaRPr lang="en-US"/>
+              </a:p>
+            </p:txBody>
+          </p:sp>
+        </p:grpSp>
+        <p:pic>
+          <p:nvPicPr>
+            <p:cNvPr id="18" name="Graphic 17" descr="House">
+              <a:extLst>
+                <a:ext uri="{FF2B5EF4-FFF2-40B4-BE49-F238E27FC236}">
+                  <a16:creationId xmlns:a16="http://schemas.microsoft.com/office/drawing/2014/main" id="{B1CC408F-18BC-4AF0-9C33-3B787FE32E47}"/>
+                </a:ext>
+              </a:extLst>
+            </p:cNvPr>
+            <p:cNvPicPr>
+              <a:picLocks noChangeAspect="1"/>
+            </p:cNvPicPr>
+            <p:nvPr/>
+          </p:nvPicPr>
+          <p:blipFill rotWithShape="1">
+            <a:blip r:embed="rId10">
+              <a:extLst>
+                <a:ext uri="{28A0092B-C50C-407E-A947-70E740481C1C}">
+                  <a14:useLocalDpi xmlns:a14="http://schemas.microsoft.com/office/drawing/2010/main" val="0"/>
+                </a:ext>
+                <a:ext uri="{96DAC541-7B7A-43D3-8B79-37D633B846F1}">
+                  <asvg:svgBlip xmlns:asvg="http://schemas.microsoft.com/office/drawing/2016/SVG/main" xmlns="" r:embed="rId3"/>
+                </a:ext>
+              </a:extLst>
+            </a:blip>
+            <a:srcRect l="2523" t="10211" r="3361" b="9358"/>
+            <a:stretch/>
+          </p:blipFill>
+          <p:spPr>
+            <a:xfrm>
+              <a:off x="8571345" y="896438"/>
+              <a:ext cx="3620655" cy="3094182"/>
+            </a:xfrm>
+            <a:prstGeom prst="rect">
+              <a:avLst/>
+            </a:prstGeom>
+          </p:spPr>
+        </p:pic>
+      </p:grpSp>
     </p:spTree>
     <p:extLst>
       <p:ext uri="{BB962C8B-B14F-4D97-AF65-F5344CB8AC3E}">
@@ -3755,7 +3899,7 @@
           <p:nvPr/>
         </p:nvPicPr>
         <p:blipFill>
-          <a:blip r:embed="rId3">
+          <a:blip r:embed="rId3" cstate="print">
             <a:extLst>
               <a:ext uri="{28A0092B-C50C-407E-A947-70E740481C1C}">
                 <a14:useLocalDpi xmlns:a14="http://schemas.microsoft.com/office/drawing/2010/main" val="0"/>
@@ -3807,7 +3951,7 @@
           <p:nvPr/>
         </p:nvPicPr>
         <p:blipFill>
-          <a:blip r:embed="rId4">
+          <a:blip r:embed="rId4" cstate="print">
             <a:extLst>
               <a:ext uri="{28A0092B-C50C-407E-A947-70E740481C1C}">
                 <a14:useLocalDpi xmlns:a14="http://schemas.microsoft.com/office/drawing/2010/main" val="0"/>
